--- a/Presentation/Greenhouse Gas Emission by Food System.pptx
+++ b/Presentation/Greenhouse Gas Emission by Food System.pptx
@@ -6,10 +6,10 @@
     <p:sldMasterId id="2147483650" r:id="rId2"/>
   </p:sldMasterIdLst>
   <p:notesMasterIdLst>
-    <p:notesMasterId r:id="rId9"/>
+    <p:notesMasterId r:id="rId10"/>
   </p:notesMasterIdLst>
   <p:handoutMasterIdLst>
-    <p:handoutMasterId r:id="rId10"/>
+    <p:handoutMasterId r:id="rId11"/>
   </p:handoutMasterIdLst>
   <p:sldIdLst>
     <p:sldId id="256" r:id="rId3"/>
@@ -18,6 +18,7 @@
     <p:sldId id="259" r:id="rId6"/>
     <p:sldId id="260" r:id="rId7"/>
     <p:sldId id="261" r:id="rId8"/>
+    <p:sldId id="265" r:id="rId9"/>
   </p:sldIdLst>
   <p:sldSz cx="9144000" cy="6858000" type="screen4x3"/>
   <p:notesSz cx="6858000" cy="9144000"/>
@@ -364,8 +365,8 @@
         </c:dLbls>
         <c:gapWidth val="219"/>
         <c:overlap val="-27"/>
-        <c:axId val="290108512"/>
-        <c:axId val="290110472"/>
+        <c:axId val="310993888"/>
+        <c:axId val="310995456"/>
       </c:barChart>
       <c:lineChart>
         <c:grouping val="standard"/>
@@ -515,11 +516,11 @@
         </c:dLbls>
         <c:marker val="1"/>
         <c:smooth val="0"/>
-        <c:axId val="290106160"/>
-        <c:axId val="290111648"/>
+        <c:axId val="310993496"/>
+        <c:axId val="310997024"/>
       </c:lineChart>
       <c:catAx>
-        <c:axId val="290108512"/>
+        <c:axId val="310993888"/>
         <c:scaling>
           <c:orientation val="minMax"/>
         </c:scaling>
@@ -562,7 +563,7 @@
             <a:endParaRPr lang="en-US"/>
           </a:p>
         </c:txPr>
-        <c:crossAx val="290110472"/>
+        <c:crossAx val="310995456"/>
         <c:crosses val="autoZero"/>
         <c:auto val="1"/>
         <c:lblAlgn val="ctr"/>
@@ -570,7 +571,7 @@
         <c:noMultiLvlLbl val="0"/>
       </c:catAx>
       <c:valAx>
-        <c:axId val="290110472"/>
+        <c:axId val="310995456"/>
         <c:scaling>
           <c:orientation val="minMax"/>
         </c:scaling>
@@ -621,12 +622,12 @@
             <a:endParaRPr lang="en-US"/>
           </a:p>
         </c:txPr>
-        <c:crossAx val="290108512"/>
+        <c:crossAx val="310993888"/>
         <c:crosses val="autoZero"/>
         <c:crossBetween val="between"/>
       </c:valAx>
       <c:valAx>
-        <c:axId val="290111648"/>
+        <c:axId val="310997024"/>
         <c:scaling>
           <c:orientation val="minMax"/>
         </c:scaling>
@@ -663,12 +664,12 @@
             <a:endParaRPr lang="en-US"/>
           </a:p>
         </c:txPr>
-        <c:crossAx val="290106160"/>
+        <c:crossAx val="310993496"/>
         <c:crosses val="max"/>
         <c:crossBetween val="between"/>
       </c:valAx>
       <c:catAx>
-        <c:axId val="290106160"/>
+        <c:axId val="310993496"/>
         <c:scaling>
           <c:orientation val="minMax"/>
         </c:scaling>
@@ -678,7 +679,7 @@
         <c:majorTickMark val="none"/>
         <c:minorTickMark val="none"/>
         <c:tickLblPos val="nextTo"/>
-        <c:crossAx val="290111648"/>
+        <c:crossAx val="310997024"/>
         <c:crosses val="autoZero"/>
         <c:auto val="1"/>
         <c:lblAlgn val="ctr"/>
@@ -7105,18 +7106,9 @@
               <a:buFont typeface="+mj-lt"/>
               <a:buAutoNum type="arabicPeriod"/>
             </a:pPr>
-            <a:r>
-              <a:rPr lang="en-US" sz="1600" dirty="0">
-                <a:latin typeface="AR CENA" panose="02000000000000000000" pitchFamily="2" charset="0"/>
-              </a:rPr>
-              <a:t>“We have to change how we produce and consume food, not just for environmental reasons, but because this is an existential issue for humans”- </a:t>
-            </a:r>
-            <a:r>
-              <a:rPr lang="en-US" sz="1600" i="1" dirty="0">
-                <a:latin typeface="AR CENA" panose="02000000000000000000" pitchFamily="2" charset="0"/>
-              </a:rPr>
-              <a:t>Janet Ranganathan, vice-president for science and research at the World Resources Institute (WRI).</a:t>
-            </a:r>
+            <a:endParaRPr lang="en-US" sz="1600" i="1" dirty="0">
+              <a:latin typeface="AR CENA" panose="02000000000000000000" pitchFamily="2" charset="0"/>
+            </a:endParaRPr>
           </a:p>
           <a:p>
             <a:pPr marL="457200">
@@ -7142,13 +7134,37 @@
               <a:rPr lang="en-US" sz="1600" dirty="0">
                 <a:latin typeface="AR CENA" panose="02000000000000000000" pitchFamily="2" charset="0"/>
               </a:rPr>
-              <a:t>“If we tried to produce all the food needed in 2050 using today’s production systems, the world would have to convert most of its remaining forest, and agriculture alone would produce almost twice the emissions allowable from all human activities.”-</a:t>
-            </a:r>
-            <a:r>
-              <a:rPr lang="en-US" sz="1600" i="1" dirty="0">
+              <a:t>Hailing from family with </a:t>
+            </a:r>
+            <a:r>
+              <a:rPr lang="en-US" sz="1600" dirty="0" smtClean="0">
                 <a:latin typeface="AR CENA" panose="02000000000000000000" pitchFamily="2" charset="0"/>
               </a:rPr>
-              <a:t>Tim Searchinger, World Resources Institute (WRI) </a:t>
+              <a:t>agricultural </a:t>
+            </a:r>
+            <a:r>
+              <a:rPr lang="en-US" sz="1600" dirty="0">
+                <a:latin typeface="AR CENA" panose="02000000000000000000" pitchFamily="2" charset="0"/>
+              </a:rPr>
+              <a:t>background, its really important for me to </a:t>
+            </a:r>
+            <a:r>
+              <a:rPr lang="en-US" sz="1600" dirty="0" smtClean="0">
+                <a:latin typeface="AR CENA" panose="02000000000000000000" pitchFamily="2" charset="0"/>
+              </a:rPr>
+              <a:t>analyze the </a:t>
+            </a:r>
+            <a:r>
+              <a:rPr lang="en-US" sz="1600" dirty="0">
+                <a:latin typeface="AR CENA" panose="02000000000000000000" pitchFamily="2" charset="0"/>
+              </a:rPr>
+              <a:t>environmental impact by our food system</a:t>
+            </a:r>
+            <a:r>
+              <a:rPr lang="en-US" sz="1600" i="1" dirty="0" smtClean="0">
+                <a:latin typeface="AR CENA" panose="02000000000000000000" pitchFamily="2" charset="0"/>
+              </a:rPr>
+              <a:t>.</a:t>
             </a:r>
           </a:p>
           <a:p>
@@ -7171,18 +7187,33 @@
               <a:buFont typeface="+mj-lt"/>
               <a:buAutoNum type="arabicPeriod"/>
             </a:pPr>
+            <a:endParaRPr lang="en-US" sz="1600" i="1" dirty="0" smtClean="0">
+              <a:latin typeface="AR CENA" panose="02000000000000000000" pitchFamily="2" charset="0"/>
+            </a:endParaRPr>
+          </a:p>
+          <a:p>
+            <a:pPr marL="457200">
+              <a:lnSpc>
+                <a:spcPct val="90000"/>
+              </a:lnSpc>
+              <a:buFont typeface="+mj-lt"/>
+              <a:buAutoNum type="arabicPeriod"/>
+            </a:pPr>
             <a:r>
               <a:rPr lang="en-US" sz="1600" dirty="0">
                 <a:latin typeface="AR CENA" panose="02000000000000000000" pitchFamily="2" charset="0"/>
               </a:rPr>
-              <a:t>Hailing from family with strong agricultural background, its really important for me to assess  the environmental impact by our food system</a:t>
-            </a:r>
-            <a:r>
-              <a:rPr lang="en-US" sz="1600" i="1" dirty="0">
-                <a:latin typeface="AR CENA" panose="02000000000000000000" pitchFamily="2" charset="0"/>
-              </a:rPr>
-              <a:t>.</a:t>
-            </a:r>
+              <a:t>“We have to change how we produce and consume food, not just for environmental reasons, but because this is an existential issue for humans”- Janet Ranganathan, vice-president for science and research at the World Resources Institute (WRI).</a:t>
+            </a:r>
+          </a:p>
+          <a:p>
+            <a:pPr marL="457200">
+              <a:lnSpc>
+                <a:spcPct val="90000"/>
+              </a:lnSpc>
+              <a:buFont typeface="+mj-lt"/>
+              <a:buAutoNum type="arabicPeriod"/>
+            </a:pPr>
             <a:endParaRPr lang="uk-UA" sz="1600" i="1" dirty="0"/>
           </a:p>
           <a:p>
@@ -7694,7 +7725,23 @@
                 <a:ea typeface="+mn-ea"/>
                 <a:cs typeface="+mn-cs"/>
               </a:rPr>
-              <a:t>                   (iv) Food Waste Disposal</a:t>
+              <a:t>                  </a:t>
+            </a:r>
+            <a:r>
+              <a:rPr lang="en-US" sz="1600" dirty="0" smtClean="0">
+                <a:latin typeface="AR CENA" panose="02000000000000000000" pitchFamily="2" charset="0"/>
+                <a:ea typeface="+mn-ea"/>
+                <a:cs typeface="+mn-cs"/>
+              </a:rPr>
+              <a:t>(</a:t>
+            </a:r>
+            <a:r>
+              <a:rPr lang="en-US" sz="1600" dirty="0" smtClean="0">
+                <a:latin typeface="AR CENA" panose="02000000000000000000" pitchFamily="2" charset="0"/>
+                <a:ea typeface="+mn-ea"/>
+                <a:cs typeface="+mn-cs"/>
+              </a:rPr>
+              <a:t>iv) Food Waste Disposal</a:t>
             </a:r>
           </a:p>
           <a:p>
@@ -8205,6 +8252,469 @@
     <p:extLst>
       <p:ext uri="{BB962C8B-B14F-4D97-AF65-F5344CB8AC3E}">
         <p14:creationId xmlns:p14="http://schemas.microsoft.com/office/powerpoint/2010/main" val="3681859028"/>
+      </p:ext>
+    </p:extLst>
+  </p:cSld>
+  <p:clrMapOvr>
+    <a:masterClrMapping/>
+  </p:clrMapOvr>
+</p:sld>
+</file>
+
+<file path=ppt/slides/slide7.xml><?xml version="1.0" encoding="utf-8"?>
+<p:sld xmlns:a="http://schemas.openxmlformats.org/drawingml/2006/main" xmlns:r="http://schemas.openxmlformats.org/officeDocument/2006/relationships" xmlns:p="http://schemas.openxmlformats.org/presentationml/2006/main">
+  <p:cSld>
+    <p:spTree>
+      <p:nvGrpSpPr>
+        <p:cNvPr id="1" name=""/>
+        <p:cNvGrpSpPr/>
+        <p:nvPr/>
+      </p:nvGrpSpPr>
+      <p:grpSpPr>
+        <a:xfrm>
+          <a:off x="0" y="0"/>
+          <a:ext cx="0" cy="0"/>
+          <a:chOff x="0" y="0"/>
+          <a:chExt cx="0" cy="0"/>
+        </a:xfrm>
+      </p:grpSpPr>
+      <p:sp>
+        <p:nvSpPr>
+          <p:cNvPr id="2" name="Title 1"/>
+          <p:cNvSpPr>
+            <a:spLocks noGrp="1"/>
+          </p:cNvSpPr>
+          <p:nvPr>
+            <p:ph type="title"/>
+          </p:nvPr>
+        </p:nvSpPr>
+        <p:spPr>
+          <a:xfrm>
+            <a:off x="1908175" y="270164"/>
+            <a:ext cx="6707188" cy="1147474"/>
+          </a:xfrm>
+        </p:spPr>
+        <p:txBody>
+          <a:bodyPr/>
+          <a:lstStyle/>
+          <a:p>
+            <a:r>
+              <a:rPr lang="en-US" sz="3600" dirty="0"/>
+              <a:t>Future</a:t>
+            </a:r>
+            <a:r>
+              <a:rPr lang="en-US" sz="3600" dirty="0" smtClean="0"/>
+              <a:t> Scope</a:t>
+            </a:r>
+            <a:endParaRPr lang="en-US" sz="3600" dirty="0"/>
+          </a:p>
+        </p:txBody>
+      </p:sp>
+      <p:sp>
+        <p:nvSpPr>
+          <p:cNvPr id="3" name="Content Placeholder 2"/>
+          <p:cNvSpPr>
+            <a:spLocks noGrp="1"/>
+          </p:cNvSpPr>
+          <p:nvPr>
+            <p:ph idx="1"/>
+          </p:nvPr>
+        </p:nvSpPr>
+        <p:spPr>
+          <a:xfrm>
+            <a:off x="2195736" y="4377292"/>
+            <a:ext cx="6778625" cy="1252736"/>
+          </a:xfrm>
+        </p:spPr>
+        <p:txBody>
+          <a:bodyPr/>
+          <a:lstStyle/>
+          <a:p>
+            <a:r>
+              <a:rPr lang="en-US" sz="1600" dirty="0">
+                <a:latin typeface="AR CENA" panose="02000000000000000000" pitchFamily="2" charset="0"/>
+              </a:rPr>
+              <a:t>https://www.fao.org/faostat/en/#data</a:t>
+            </a:r>
+          </a:p>
+          <a:p>
+            <a:r>
+              <a:rPr lang="en-US" sz="1600" dirty="0">
+                <a:latin typeface="AR CENA" panose="02000000000000000000" pitchFamily="2" charset="0"/>
+              </a:rPr>
+              <a:t>https://www.unep.org/resources/report/unep-food-waste-index-report-2021</a:t>
+            </a:r>
+            <a:endParaRPr lang="en-US" sz="1600" dirty="0">
+              <a:latin typeface="AR CENA" panose="02000000000000000000" pitchFamily="2" charset="0"/>
+            </a:endParaRPr>
+          </a:p>
+        </p:txBody>
+      </p:sp>
+      <p:sp>
+        <p:nvSpPr>
+          <p:cNvPr id="5" name="Title 1"/>
+          <p:cNvSpPr txBox="1">
+            <a:spLocks/>
+          </p:cNvSpPr>
+          <p:nvPr/>
+        </p:nvSpPr>
+        <p:spPr bwMode="auto">
+          <a:xfrm>
+            <a:off x="2060575" y="2766563"/>
+            <a:ext cx="6707188" cy="1147474"/>
+          </a:xfrm>
+          <a:prstGeom prst="rect">
+            <a:avLst/>
+          </a:prstGeom>
+          <a:noFill/>
+          <a:ln w="9525">
+            <a:noFill/>
+            <a:miter lim="800000"/>
+            <a:headEnd/>
+            <a:tailEnd/>
+          </a:ln>
+          <a:effectLst/>
+        </p:spPr>
+        <p:txBody>
+          <a:bodyPr vert="horz" wrap="square" lIns="91440" tIns="45720" rIns="91440" bIns="45720" numCol="1" anchor="ctr" anchorCtr="0" compatLnSpc="1">
+            <a:prstTxWarp prst="textNoShape">
+              <a:avLst/>
+            </a:prstTxWarp>
+          </a:bodyPr>
+          <a:lstStyle>
+            <a:lvl1pPr algn="l" rtl="0" fontAlgn="base">
+              <a:spcBef>
+                <a:spcPct val="0"/>
+              </a:spcBef>
+              <a:spcAft>
+                <a:spcPct val="0"/>
+              </a:spcAft>
+              <a:defRPr sz="4400">
+                <a:solidFill>
+                  <a:srgbClr val="5E9215"/>
+                </a:solidFill>
+                <a:latin typeface="+mj-lt"/>
+                <a:ea typeface="+mj-ea"/>
+                <a:cs typeface="+mj-cs"/>
+              </a:defRPr>
+            </a:lvl1pPr>
+            <a:lvl2pPr algn="l" rtl="0" fontAlgn="base">
+              <a:spcBef>
+                <a:spcPct val="0"/>
+              </a:spcBef>
+              <a:spcAft>
+                <a:spcPct val="0"/>
+              </a:spcAft>
+              <a:defRPr sz="4400">
+                <a:solidFill>
+                  <a:srgbClr val="5E9215"/>
+                </a:solidFill>
+                <a:latin typeface="HelveticaNeueLT Pro 33 ThEx" pitchFamily="34" charset="0"/>
+              </a:defRPr>
+            </a:lvl2pPr>
+            <a:lvl3pPr algn="l" rtl="0" fontAlgn="base">
+              <a:spcBef>
+                <a:spcPct val="0"/>
+              </a:spcBef>
+              <a:spcAft>
+                <a:spcPct val="0"/>
+              </a:spcAft>
+              <a:defRPr sz="4400">
+                <a:solidFill>
+                  <a:srgbClr val="5E9215"/>
+                </a:solidFill>
+                <a:latin typeface="HelveticaNeueLT Pro 33 ThEx" pitchFamily="34" charset="0"/>
+              </a:defRPr>
+            </a:lvl3pPr>
+            <a:lvl4pPr algn="l" rtl="0" fontAlgn="base">
+              <a:spcBef>
+                <a:spcPct val="0"/>
+              </a:spcBef>
+              <a:spcAft>
+                <a:spcPct val="0"/>
+              </a:spcAft>
+              <a:defRPr sz="4400">
+                <a:solidFill>
+                  <a:srgbClr val="5E9215"/>
+                </a:solidFill>
+                <a:latin typeface="HelveticaNeueLT Pro 33 ThEx" pitchFamily="34" charset="0"/>
+              </a:defRPr>
+            </a:lvl4pPr>
+            <a:lvl5pPr algn="l" rtl="0" fontAlgn="base">
+              <a:spcBef>
+                <a:spcPct val="0"/>
+              </a:spcBef>
+              <a:spcAft>
+                <a:spcPct val="0"/>
+              </a:spcAft>
+              <a:defRPr sz="4400">
+                <a:solidFill>
+                  <a:srgbClr val="5E9215"/>
+                </a:solidFill>
+                <a:latin typeface="HelveticaNeueLT Pro 33 ThEx" pitchFamily="34" charset="0"/>
+              </a:defRPr>
+            </a:lvl5pPr>
+            <a:lvl6pPr marL="457200" algn="l" rtl="0" fontAlgn="base">
+              <a:spcBef>
+                <a:spcPct val="0"/>
+              </a:spcBef>
+              <a:spcAft>
+                <a:spcPct val="0"/>
+              </a:spcAft>
+              <a:defRPr sz="4400">
+                <a:solidFill>
+                  <a:srgbClr val="5E9215"/>
+                </a:solidFill>
+                <a:latin typeface="HelveticaNeueLT Pro 33 ThEx" pitchFamily="34" charset="0"/>
+              </a:defRPr>
+            </a:lvl6pPr>
+            <a:lvl7pPr marL="914400" algn="l" rtl="0" fontAlgn="base">
+              <a:spcBef>
+                <a:spcPct val="0"/>
+              </a:spcBef>
+              <a:spcAft>
+                <a:spcPct val="0"/>
+              </a:spcAft>
+              <a:defRPr sz="4400">
+                <a:solidFill>
+                  <a:srgbClr val="5E9215"/>
+                </a:solidFill>
+                <a:latin typeface="HelveticaNeueLT Pro 33 ThEx" pitchFamily="34" charset="0"/>
+              </a:defRPr>
+            </a:lvl7pPr>
+            <a:lvl8pPr marL="1371600" algn="l" rtl="0" fontAlgn="base">
+              <a:spcBef>
+                <a:spcPct val="0"/>
+              </a:spcBef>
+              <a:spcAft>
+                <a:spcPct val="0"/>
+              </a:spcAft>
+              <a:defRPr sz="4400">
+                <a:solidFill>
+                  <a:srgbClr val="5E9215"/>
+                </a:solidFill>
+                <a:latin typeface="HelveticaNeueLT Pro 33 ThEx" pitchFamily="34" charset="0"/>
+              </a:defRPr>
+            </a:lvl8pPr>
+            <a:lvl9pPr marL="1828800" algn="l" rtl="0" fontAlgn="base">
+              <a:spcBef>
+                <a:spcPct val="0"/>
+              </a:spcBef>
+              <a:spcAft>
+                <a:spcPct val="0"/>
+              </a:spcAft>
+              <a:defRPr sz="4400">
+                <a:solidFill>
+                  <a:srgbClr val="5E9215"/>
+                </a:solidFill>
+                <a:latin typeface="HelveticaNeueLT Pro 33 ThEx" pitchFamily="34" charset="0"/>
+              </a:defRPr>
+            </a:lvl9pPr>
+          </a:lstStyle>
+          <a:p>
+            <a:r>
+              <a:rPr lang="en-US" sz="3600" kern="0" dirty="0" smtClean="0"/>
+              <a:t>Data Source</a:t>
+            </a:r>
+            <a:endParaRPr lang="en-US" sz="3600" kern="0" dirty="0"/>
+          </a:p>
+        </p:txBody>
+      </p:sp>
+      <p:sp>
+        <p:nvSpPr>
+          <p:cNvPr id="6" name="Content Placeholder 2"/>
+          <p:cNvSpPr txBox="1">
+            <a:spLocks/>
+          </p:cNvSpPr>
+          <p:nvPr/>
+        </p:nvSpPr>
+        <p:spPr bwMode="auto">
+          <a:xfrm>
+            <a:off x="2060575" y="1752601"/>
+            <a:ext cx="6778625" cy="1252736"/>
+          </a:xfrm>
+          <a:prstGeom prst="rect">
+            <a:avLst/>
+          </a:prstGeom>
+          <a:noFill/>
+          <a:ln w="9525">
+            <a:noFill/>
+            <a:miter lim="800000"/>
+            <a:headEnd/>
+            <a:tailEnd/>
+          </a:ln>
+          <a:effectLst/>
+        </p:spPr>
+        <p:txBody>
+          <a:bodyPr vert="horz" wrap="square" lIns="91440" tIns="45720" rIns="91440" bIns="45720" numCol="1" anchor="t" anchorCtr="0" compatLnSpc="1">
+            <a:prstTxWarp prst="textNoShape">
+              <a:avLst/>
+            </a:prstTxWarp>
+          </a:bodyPr>
+          <a:lstStyle>
+            <a:lvl1pPr marL="342900" indent="-342900" algn="l" rtl="0" fontAlgn="base">
+              <a:spcBef>
+                <a:spcPct val="20000"/>
+              </a:spcBef>
+              <a:spcAft>
+                <a:spcPct val="0"/>
+              </a:spcAft>
+              <a:buChar char="•"/>
+              <a:defRPr sz="3200">
+                <a:solidFill>
+                  <a:schemeClr val="tx1"/>
+                </a:solidFill>
+                <a:latin typeface="+mn-lt"/>
+                <a:ea typeface="+mn-ea"/>
+                <a:cs typeface="+mn-cs"/>
+              </a:defRPr>
+            </a:lvl1pPr>
+            <a:lvl2pPr marL="742950" indent="-285750" algn="l" rtl="0" fontAlgn="base">
+              <a:spcBef>
+                <a:spcPct val="20000"/>
+              </a:spcBef>
+              <a:spcAft>
+                <a:spcPct val="0"/>
+              </a:spcAft>
+              <a:buChar char="–"/>
+              <a:defRPr sz="2800">
+                <a:solidFill>
+                  <a:schemeClr val="tx1"/>
+                </a:solidFill>
+                <a:latin typeface="+mn-lt"/>
+              </a:defRPr>
+            </a:lvl2pPr>
+            <a:lvl3pPr marL="1143000" indent="-228600" algn="l" rtl="0" fontAlgn="base">
+              <a:spcBef>
+                <a:spcPct val="20000"/>
+              </a:spcBef>
+              <a:spcAft>
+                <a:spcPct val="0"/>
+              </a:spcAft>
+              <a:buChar char="•"/>
+              <a:defRPr sz="2400">
+                <a:solidFill>
+                  <a:schemeClr val="tx1"/>
+                </a:solidFill>
+                <a:latin typeface="+mn-lt"/>
+              </a:defRPr>
+            </a:lvl3pPr>
+            <a:lvl4pPr marL="1600200" indent="-228600" algn="l" rtl="0" fontAlgn="base">
+              <a:spcBef>
+                <a:spcPct val="20000"/>
+              </a:spcBef>
+              <a:spcAft>
+                <a:spcPct val="0"/>
+              </a:spcAft>
+              <a:buChar char="–"/>
+              <a:defRPr sz="2000">
+                <a:solidFill>
+                  <a:schemeClr val="tx1"/>
+                </a:solidFill>
+                <a:latin typeface="+mn-lt"/>
+              </a:defRPr>
+            </a:lvl4pPr>
+            <a:lvl5pPr marL="2057400" indent="-228600" algn="l" rtl="0" fontAlgn="base">
+              <a:spcBef>
+                <a:spcPct val="20000"/>
+              </a:spcBef>
+              <a:spcAft>
+                <a:spcPct val="0"/>
+              </a:spcAft>
+              <a:buChar char="»"/>
+              <a:defRPr sz="2000">
+                <a:solidFill>
+                  <a:schemeClr val="tx1"/>
+                </a:solidFill>
+                <a:latin typeface="+mn-lt"/>
+              </a:defRPr>
+            </a:lvl5pPr>
+            <a:lvl6pPr marL="2514600" indent="-228600" algn="l" rtl="0" fontAlgn="base">
+              <a:spcBef>
+                <a:spcPct val="20000"/>
+              </a:spcBef>
+              <a:spcAft>
+                <a:spcPct val="0"/>
+              </a:spcAft>
+              <a:buChar char="»"/>
+              <a:defRPr sz="2000">
+                <a:solidFill>
+                  <a:schemeClr val="tx1"/>
+                </a:solidFill>
+                <a:latin typeface="+mn-lt"/>
+              </a:defRPr>
+            </a:lvl6pPr>
+            <a:lvl7pPr marL="2971800" indent="-228600" algn="l" rtl="0" fontAlgn="base">
+              <a:spcBef>
+                <a:spcPct val="20000"/>
+              </a:spcBef>
+              <a:spcAft>
+                <a:spcPct val="0"/>
+              </a:spcAft>
+              <a:buChar char="»"/>
+              <a:defRPr sz="2000">
+                <a:solidFill>
+                  <a:schemeClr val="tx1"/>
+                </a:solidFill>
+                <a:latin typeface="+mn-lt"/>
+              </a:defRPr>
+            </a:lvl7pPr>
+            <a:lvl8pPr marL="3429000" indent="-228600" algn="l" rtl="0" fontAlgn="base">
+              <a:spcBef>
+                <a:spcPct val="20000"/>
+              </a:spcBef>
+              <a:spcAft>
+                <a:spcPct val="0"/>
+              </a:spcAft>
+              <a:buChar char="»"/>
+              <a:defRPr sz="2000">
+                <a:solidFill>
+                  <a:schemeClr val="tx1"/>
+                </a:solidFill>
+                <a:latin typeface="+mn-lt"/>
+              </a:defRPr>
+            </a:lvl8pPr>
+            <a:lvl9pPr marL="3886200" indent="-228600" algn="l" rtl="0" fontAlgn="base">
+              <a:spcBef>
+                <a:spcPct val="20000"/>
+              </a:spcBef>
+              <a:spcAft>
+                <a:spcPct val="0"/>
+              </a:spcAft>
+              <a:buChar char="»"/>
+              <a:defRPr sz="2000">
+                <a:solidFill>
+                  <a:schemeClr val="tx1"/>
+                </a:solidFill>
+                <a:latin typeface="+mn-lt"/>
+              </a:defRPr>
+            </a:lvl9pPr>
+          </a:lstStyle>
+          <a:p>
+            <a:r>
+              <a:rPr lang="en-US" sz="1600" kern="0" smtClean="0">
+                <a:latin typeface="AR CENA" panose="02000000000000000000" pitchFamily="2" charset="0"/>
+              </a:rPr>
+              <a:t>To analyze the impact of Food production emissions on crop cultivation.</a:t>
+            </a:r>
+          </a:p>
+          <a:p>
+            <a:r>
+              <a:rPr lang="en-US" sz="1600" kern="0" smtClean="0">
+                <a:latin typeface="AR CENA" panose="02000000000000000000" pitchFamily="2" charset="0"/>
+              </a:rPr>
+              <a:t>To analyze the factors contributing to solid food waste in regions of high under nourished population.</a:t>
+            </a:r>
+            <a:endParaRPr lang="en-US" sz="1600" kern="0" dirty="0">
+              <a:latin typeface="AR CENA" panose="02000000000000000000" pitchFamily="2" charset="0"/>
+            </a:endParaRPr>
+          </a:p>
+        </p:txBody>
+      </p:sp>
+    </p:spTree>
+    <p:extLst>
+      <p:ext uri="{BB962C8B-B14F-4D97-AF65-F5344CB8AC3E}">
+        <p14:creationId xmlns:p14="http://schemas.microsoft.com/office/powerpoint/2010/main" val="3101353165"/>
       </p:ext>
     </p:extLst>
   </p:cSld>
